--- a/powerpoint_sjabloon [Autosaved].pptx
+++ b/powerpoint_sjabloon [Autosaved].pptx
@@ -122,6 +122,127 @@
 </p:presentation>
 </file>
 
+<file path=ppt/changesInfos/changesInfo1.xml><?xml version="1.0" encoding="utf-8"?>
+<pc:chgInfo xmlns:a="http://schemas.openxmlformats.org/drawingml/2006/main" xmlns:r="http://schemas.openxmlformats.org/officeDocument/2006/relationships" xmlns:ac="http://schemas.microsoft.com/office/drawing/2013/main/command" xmlns:pc="http://schemas.microsoft.com/office/powerpoint/2013/main/command">
+  <pc:docChgLst>
+    <pc:chgData name="alexander K." userId="ac558d3ae67ea49b" providerId="LiveId" clId="{AAE52FE0-C3EF-4BC0-A5D8-4F3E1ADEB4FF}"/>
+    <pc:docChg chg="custSel modSld">
+      <pc:chgData name="alexander K." userId="ac558d3ae67ea49b" providerId="LiveId" clId="{AAE52FE0-C3EF-4BC0-A5D8-4F3E1ADEB4FF}" dt="2022-05-30T13:47:19.669" v="68" actId="20577"/>
+      <pc:docMkLst>
+        <pc:docMk/>
+      </pc:docMkLst>
+      <pc:sldChg chg="addSp modSp mod">
+        <pc:chgData name="alexander K." userId="ac558d3ae67ea49b" providerId="LiveId" clId="{AAE52FE0-C3EF-4BC0-A5D8-4F3E1ADEB4FF}" dt="2022-05-30T13:40:55.111" v="17" actId="1076"/>
+        <pc:sldMkLst>
+          <pc:docMk/>
+          <pc:sldMk cId="1792110934" sldId="391"/>
+        </pc:sldMkLst>
+        <pc:spChg chg="mod">
+          <ac:chgData name="alexander K." userId="ac558d3ae67ea49b" providerId="LiveId" clId="{AAE52FE0-C3EF-4BC0-A5D8-4F3E1ADEB4FF}" dt="2022-05-30T13:39:53.789" v="6" actId="20577"/>
+          <ac:spMkLst>
+            <pc:docMk/>
+            <pc:sldMk cId="1792110934" sldId="391"/>
+            <ac:spMk id="3" creationId="{FB70D9CA-5B56-494A-BDE3-703BA6FFD15F}"/>
+          </ac:spMkLst>
+        </pc:spChg>
+        <pc:picChg chg="add mod">
+          <ac:chgData name="alexander K." userId="ac558d3ae67ea49b" providerId="LiveId" clId="{AAE52FE0-C3EF-4BC0-A5D8-4F3E1ADEB4FF}" dt="2022-05-30T13:40:55.111" v="17" actId="1076"/>
+          <ac:picMkLst>
+            <pc:docMk/>
+            <pc:sldMk cId="1792110934" sldId="391"/>
+            <ac:picMk id="7" creationId="{CDCE79C8-02F1-C88A-3A43-E8CC2E45E6A4}"/>
+          </ac:picMkLst>
+        </pc:picChg>
+      </pc:sldChg>
+      <pc:sldChg chg="addSp modSp mod">
+        <pc:chgData name="alexander K." userId="ac558d3ae67ea49b" providerId="LiveId" clId="{AAE52FE0-C3EF-4BC0-A5D8-4F3E1ADEB4FF}" dt="2022-05-30T13:43:03.857" v="33" actId="1076"/>
+        <pc:sldMkLst>
+          <pc:docMk/>
+          <pc:sldMk cId="4075172640" sldId="393"/>
+        </pc:sldMkLst>
+        <pc:spChg chg="mod">
+          <ac:chgData name="alexander K." userId="ac558d3ae67ea49b" providerId="LiveId" clId="{AAE52FE0-C3EF-4BC0-A5D8-4F3E1ADEB4FF}" dt="2022-05-30T13:39:57.197" v="9" actId="20577"/>
+          <ac:spMkLst>
+            <pc:docMk/>
+            <pc:sldMk cId="4075172640" sldId="393"/>
+            <ac:spMk id="3" creationId="{FDDD7921-F5AB-EC44-82A1-0F235EFF2ACC}"/>
+          </ac:spMkLst>
+        </pc:spChg>
+        <pc:picChg chg="add mod modCrop">
+          <ac:chgData name="alexander K." userId="ac558d3ae67ea49b" providerId="LiveId" clId="{AAE52FE0-C3EF-4BC0-A5D8-4F3E1ADEB4FF}" dt="2022-05-30T13:43:03.857" v="33" actId="1076"/>
+          <ac:picMkLst>
+            <pc:docMk/>
+            <pc:sldMk cId="4075172640" sldId="393"/>
+            <ac:picMk id="9" creationId="{2F640931-BD87-995C-6174-C1A71D0D2F47}"/>
+          </ac:picMkLst>
+        </pc:picChg>
+      </pc:sldChg>
+      <pc:sldChg chg="modSp mod">
+        <pc:chgData name="alexander K." userId="ac558d3ae67ea49b" providerId="LiveId" clId="{AAE52FE0-C3EF-4BC0-A5D8-4F3E1ADEB4FF}" dt="2022-05-30T13:47:19.669" v="68" actId="20577"/>
+        <pc:sldMkLst>
+          <pc:docMk/>
+          <pc:sldMk cId="1203841279" sldId="395"/>
+        </pc:sldMkLst>
+        <pc:spChg chg="mod">
+          <ac:chgData name="alexander K." userId="ac558d3ae67ea49b" providerId="LiveId" clId="{AAE52FE0-C3EF-4BC0-A5D8-4F3E1ADEB4FF}" dt="2022-05-30T13:47:19.669" v="68" actId="20577"/>
+          <ac:spMkLst>
+            <pc:docMk/>
+            <pc:sldMk cId="1203841279" sldId="395"/>
+            <ac:spMk id="3" creationId="{FDDD7921-F5AB-EC44-82A1-0F235EFF2ACC}"/>
+          </ac:spMkLst>
+        </pc:spChg>
+        <pc:spChg chg="mod">
+          <ac:chgData name="alexander K." userId="ac558d3ae67ea49b" providerId="LiveId" clId="{AAE52FE0-C3EF-4BC0-A5D8-4F3E1ADEB4FF}" dt="2022-05-30T13:43:14.939" v="34" actId="1076"/>
+          <ac:spMkLst>
+            <pc:docMk/>
+            <pc:sldMk cId="1203841279" sldId="395"/>
+            <ac:spMk id="6" creationId="{EC3307A3-87BA-834B-9869-9750FB3C508C}"/>
+          </ac:spMkLst>
+        </pc:spChg>
+      </pc:sldChg>
+      <pc:sldChg chg="modSp mod">
+        <pc:chgData name="alexander K." userId="ac558d3ae67ea49b" providerId="LiveId" clId="{AAE52FE0-C3EF-4BC0-A5D8-4F3E1ADEB4FF}" dt="2022-05-30T13:46:56.307" v="54" actId="20577"/>
+        <pc:sldMkLst>
+          <pc:docMk/>
+          <pc:sldMk cId="2465361796" sldId="396"/>
+        </pc:sldMkLst>
+        <pc:spChg chg="mod">
+          <ac:chgData name="alexander K." userId="ac558d3ae67ea49b" providerId="LiveId" clId="{AAE52FE0-C3EF-4BC0-A5D8-4F3E1ADEB4FF}" dt="2022-05-30T13:39:49.473" v="0" actId="20577"/>
+          <ac:spMkLst>
+            <pc:docMk/>
+            <pc:sldMk cId="2465361796" sldId="396"/>
+            <ac:spMk id="2" creationId="{6AA9D292-0607-0C6C-3C26-A9977D58A4DC}"/>
+          </ac:spMkLst>
+        </pc:spChg>
+        <pc:spChg chg="mod">
+          <ac:chgData name="alexander K." userId="ac558d3ae67ea49b" providerId="LiveId" clId="{AAE52FE0-C3EF-4BC0-A5D8-4F3E1ADEB4FF}" dt="2022-05-30T13:46:56.307" v="54" actId="20577"/>
+          <ac:spMkLst>
+            <pc:docMk/>
+            <pc:sldMk cId="2465361796" sldId="396"/>
+            <ac:spMk id="3" creationId="{033A4867-D9E9-5986-C0DA-881058EB2B8C}"/>
+          </ac:spMkLst>
+        </pc:spChg>
+      </pc:sldChg>
+      <pc:sldChg chg="addSp modSp mod">
+        <pc:chgData name="alexander K." userId="ac558d3ae67ea49b" providerId="LiveId" clId="{AAE52FE0-C3EF-4BC0-A5D8-4F3E1ADEB4FF}" dt="2022-05-30T13:42:40.279" v="28" actId="1076"/>
+        <pc:sldMkLst>
+          <pc:docMk/>
+          <pc:sldMk cId="710570432" sldId="397"/>
+        </pc:sldMkLst>
+        <pc:picChg chg="add mod">
+          <ac:chgData name="alexander K." userId="ac558d3ae67ea49b" providerId="LiveId" clId="{AAE52FE0-C3EF-4BC0-A5D8-4F3E1ADEB4FF}" dt="2022-05-30T13:42:40.279" v="28" actId="1076"/>
+          <ac:picMkLst>
+            <pc:docMk/>
+            <pc:sldMk cId="710570432" sldId="397"/>
+            <ac:picMk id="5" creationId="{F6E40C45-3B45-69A1-4F37-4CA961976A7E}"/>
+          </ac:picMkLst>
+        </pc:picChg>
+      </pc:sldChg>
+    </pc:docChg>
+  </pc:docChgLst>
+</pc:chgInfo>
+</file>
+
 <file path=ppt/notesMasters/notesMaster1.xml><?xml version="1.0" encoding="utf-8"?>
 <p:notesMaster xmlns:a="http://schemas.openxmlformats.org/drawingml/2006/main" xmlns:r="http://schemas.openxmlformats.org/officeDocument/2006/relationships" xmlns:p="http://schemas.openxmlformats.org/presentationml/2006/main">
   <p:cSld>
@@ -209,7 +330,7 @@
             <a:fld id="{70DE778B-9043-6640-BE32-D65768C6815F}" type="datetimeFigureOut">
               <a:rPr lang="nl-NL" smtClean="0"/>
               <a:pPr/>
-              <a:t>27-5-2022</a:t>
+              <a:t>30-5-2022</a:t>
             </a:fld>
             <a:endParaRPr lang="nl-NL" dirty="0"/>
           </a:p>
@@ -3543,6 +3664,42 @@
           </a:p>
         </p:txBody>
       </p:sp>
+      <p:pic>
+        <p:nvPicPr>
+          <p:cNvPr id="5" name="Picture 4">
+            <a:extLst>
+              <a:ext uri="{FF2B5EF4-FFF2-40B4-BE49-F238E27FC236}">
+                <a16:creationId xmlns:a16="http://schemas.microsoft.com/office/drawing/2014/main" id="{F6E40C45-3B45-69A1-4F37-4CA961976A7E}"/>
+              </a:ext>
+            </a:extLst>
+          </p:cNvPr>
+          <p:cNvPicPr>
+            <a:picLocks noChangeAspect="1"/>
+          </p:cNvPicPr>
+          <p:nvPr/>
+        </p:nvPicPr>
+        <p:blipFill>
+          <a:blip r:embed="rId2">
+            <a:extLst>
+              <a:ext uri="{28A0092B-C50C-407E-A947-70E740481C1C}">
+                <a14:useLocalDpi xmlns:a14="http://schemas.microsoft.com/office/drawing/2010/main" val="0"/>
+              </a:ext>
+            </a:extLst>
+          </a:blip>
+          <a:stretch>
+            <a:fillRect/>
+          </a:stretch>
+        </p:blipFill>
+        <p:spPr>
+          <a:xfrm>
+            <a:off x="8609395" y="4181707"/>
+            <a:ext cx="3066667" cy="2304762"/>
+          </a:xfrm>
+          <a:prstGeom prst="rect">
+            <a:avLst/>
+          </a:prstGeom>
+        </p:spPr>
+      </p:pic>
     </p:spTree>
     <p:extLst>
       <p:ext uri="{BB962C8B-B14F-4D97-AF65-F5344CB8AC3E}">
@@ -3596,7 +3753,7 @@
           <a:p>
             <a:r>
               <a:rPr lang="en-GB" dirty="0"/>
-              <a:t>Bom/ PCB</a:t>
+              <a:t>Bom</a:t>
             </a:r>
             <a:endParaRPr lang="en-BE" dirty="0"/>
           </a:p>
@@ -3822,7 +3979,7 @@
                 <a:ea typeface="Calibri" panose="020F0502020204030204" pitchFamily="34" charset="0"/>
                 <a:cs typeface="Times New Roman" panose="02020603050405020304" pitchFamily="18" charset="0"/>
               </a:rPr>
-              <a:t>1 x ESP32</a:t>
+              <a:t>1 x ESP32 S2</a:t>
             </a:r>
             <a:endParaRPr lang="en-BE" sz="2000" b="0" dirty="0">
               <a:solidFill>
@@ -4066,7 +4223,10 @@
           <a:bodyPr/>
           <a:lstStyle/>
           <a:p>
-            <a:endParaRPr lang="nl-BE" dirty="0"/>
+            <a:r>
+              <a:rPr lang="nl-BE" dirty="0"/>
+              <a:t>Schema</a:t>
+            </a:r>
           </a:p>
         </p:txBody>
       </p:sp>
@@ -4135,6 +4295,42 @@
           <a:xfrm>
             <a:off x="11476182" y="349394"/>
             <a:ext cx="399762" cy="399762"/>
+          </a:xfrm>
+          <a:prstGeom prst="rect">
+            <a:avLst/>
+          </a:prstGeom>
+        </p:spPr>
+      </p:pic>
+      <p:pic>
+        <p:nvPicPr>
+          <p:cNvPr id="7" name="Picture 6">
+            <a:extLst>
+              <a:ext uri="{FF2B5EF4-FFF2-40B4-BE49-F238E27FC236}">
+                <a16:creationId xmlns:a16="http://schemas.microsoft.com/office/drawing/2014/main" id="{CDCE79C8-02F1-C88A-3A43-E8CC2E45E6A4}"/>
+              </a:ext>
+            </a:extLst>
+          </p:cNvPr>
+          <p:cNvPicPr>
+            <a:picLocks noChangeAspect="1"/>
+          </p:cNvPicPr>
+          <p:nvPr/>
+        </p:nvPicPr>
+        <p:blipFill>
+          <a:blip r:embed="rId4">
+            <a:extLst>
+              <a:ext uri="{28A0092B-C50C-407E-A947-70E740481C1C}">
+                <a14:useLocalDpi xmlns:a14="http://schemas.microsoft.com/office/drawing/2010/main" val="0"/>
+              </a:ext>
+            </a:extLst>
+          </a:blip>
+          <a:stretch>
+            <a:fillRect/>
+          </a:stretch>
+        </p:blipFill>
+        <p:spPr>
+          <a:xfrm>
+            <a:off x="3290083" y="1268413"/>
+            <a:ext cx="8379255" cy="4623037"/>
           </a:xfrm>
           <a:prstGeom prst="rect">
             <a:avLst/>
@@ -4342,7 +4538,10 @@
           <a:bodyPr/>
           <a:lstStyle/>
           <a:p>
-            <a:endParaRPr lang="nl-BE"/>
+            <a:r>
+              <a:rPr lang="nl-BE" dirty="0"/>
+              <a:t>PCB</a:t>
+            </a:r>
           </a:p>
         </p:txBody>
       </p:sp>
@@ -4376,6 +4575,41 @@
           <a:xfrm>
             <a:off x="11476182" y="349394"/>
             <a:ext cx="399762" cy="399762"/>
+          </a:xfrm>
+          <a:prstGeom prst="rect">
+            <a:avLst/>
+          </a:prstGeom>
+        </p:spPr>
+      </p:pic>
+      <p:pic>
+        <p:nvPicPr>
+          <p:cNvPr id="9" name="Picture 8">
+            <a:extLst>
+              <a:ext uri="{FF2B5EF4-FFF2-40B4-BE49-F238E27FC236}">
+                <a16:creationId xmlns:a16="http://schemas.microsoft.com/office/drawing/2014/main" id="{2F640931-BD87-995C-6174-C1A71D0D2F47}"/>
+              </a:ext>
+            </a:extLst>
+          </p:cNvPr>
+          <p:cNvPicPr>
+            <a:picLocks noChangeAspect="1"/>
+          </p:cNvPicPr>
+          <p:nvPr/>
+        </p:nvPicPr>
+        <p:blipFill rotWithShape="1">
+          <a:blip r:embed="rId5">
+            <a:extLst>
+              <a:ext uri="{28A0092B-C50C-407E-A947-70E740481C1C}">
+                <a14:useLocalDpi xmlns:a14="http://schemas.microsoft.com/office/drawing/2010/main" val="0"/>
+              </a:ext>
+            </a:extLst>
+          </a:blip>
+          <a:srcRect t="5358" r="2634" b="5134"/>
+          <a:stretch/>
+        </p:blipFill>
+        <p:spPr>
+          <a:xfrm>
+            <a:off x="1236662" y="2117313"/>
+            <a:ext cx="6616803" cy="3472274"/>
           </a:xfrm>
           <a:prstGeom prst="rect">
             <a:avLst/>
@@ -4533,7 +4767,7 @@
         </p:nvSpPr>
         <p:spPr>
           <a:xfrm>
-            <a:off x="6096000" y="549275"/>
+            <a:off x="6083660" y="549275"/>
             <a:ext cx="5580063" cy="5759450"/>
           </a:xfrm>
           <a:prstGeom prst="rect">
@@ -4629,7 +4863,10 @@
           <a:bodyPr/>
           <a:lstStyle/>
           <a:p>
-            <a:endParaRPr lang="nl-BE"/>
+            <a:r>
+              <a:rPr lang="nl-BE" dirty="0"/>
+              <a:t>Code/ ESP32 S2</a:t>
+            </a:r>
           </a:p>
         </p:txBody>
       </p:sp>
